--- a/Dokumentation/Prototyp/Admininterface/Storyboard.pptx
+++ b/Dokumentation/Prototyp/Admininterface/Storyboard.pptx
@@ -104,6 +104,11 @@
       </a:defRPr>
     </a:lvl9pPr>
   </p:defaultTextStyle>
+  <p:extLst>
+    <p:ext uri="{EFAFB233-063F-42B5-8137-9DF3F51BA10A}">
+      <p15:sldGuideLst xmlns:p15="http://schemas.microsoft.com/office/powerpoint/2012/main"/>
+    </p:ext>
+  </p:extLst>
 </p:presentation>
 </file>
 
@@ -256,7 +261,7 @@
           <a:p>
             <a:fld id="{16C53F69-849F-4D42-A5B5-04D5E4C84177}" type="datetimeFigureOut">
               <a:rPr lang="de-CH" smtClean="0"/>
-              <a:t>24.01.2020</a:t>
+              <a:t>15.02.2020</a:t>
             </a:fld>
             <a:endParaRPr lang="de-CH"/>
           </a:p>
@@ -456,7 +461,7 @@
           <a:p>
             <a:fld id="{16C53F69-849F-4D42-A5B5-04D5E4C84177}" type="datetimeFigureOut">
               <a:rPr lang="de-CH" smtClean="0"/>
-              <a:t>24.01.2020</a:t>
+              <a:t>15.02.2020</a:t>
             </a:fld>
             <a:endParaRPr lang="de-CH"/>
           </a:p>
@@ -666,7 +671,7 @@
           <a:p>
             <a:fld id="{16C53F69-849F-4D42-A5B5-04D5E4C84177}" type="datetimeFigureOut">
               <a:rPr lang="de-CH" smtClean="0"/>
-              <a:t>24.01.2020</a:t>
+              <a:t>15.02.2020</a:t>
             </a:fld>
             <a:endParaRPr lang="de-CH"/>
           </a:p>
@@ -866,7 +871,7 @@
           <a:p>
             <a:fld id="{16C53F69-849F-4D42-A5B5-04D5E4C84177}" type="datetimeFigureOut">
               <a:rPr lang="de-CH" smtClean="0"/>
-              <a:t>24.01.2020</a:t>
+              <a:t>15.02.2020</a:t>
             </a:fld>
             <a:endParaRPr lang="de-CH"/>
           </a:p>
@@ -1142,7 +1147,7 @@
           <a:p>
             <a:fld id="{16C53F69-849F-4D42-A5B5-04D5E4C84177}" type="datetimeFigureOut">
               <a:rPr lang="de-CH" smtClean="0"/>
-              <a:t>24.01.2020</a:t>
+              <a:t>15.02.2020</a:t>
             </a:fld>
             <a:endParaRPr lang="de-CH"/>
           </a:p>
@@ -1410,7 +1415,7 @@
           <a:p>
             <a:fld id="{16C53F69-849F-4D42-A5B5-04D5E4C84177}" type="datetimeFigureOut">
               <a:rPr lang="de-CH" smtClean="0"/>
-              <a:t>24.01.2020</a:t>
+              <a:t>15.02.2020</a:t>
             </a:fld>
             <a:endParaRPr lang="de-CH"/>
           </a:p>
@@ -1825,7 +1830,7 @@
           <a:p>
             <a:fld id="{16C53F69-849F-4D42-A5B5-04D5E4C84177}" type="datetimeFigureOut">
               <a:rPr lang="de-CH" smtClean="0"/>
-              <a:t>24.01.2020</a:t>
+              <a:t>15.02.2020</a:t>
             </a:fld>
             <a:endParaRPr lang="de-CH"/>
           </a:p>
@@ -1967,7 +1972,7 @@
           <a:p>
             <a:fld id="{16C53F69-849F-4D42-A5B5-04D5E4C84177}" type="datetimeFigureOut">
               <a:rPr lang="de-CH" smtClean="0"/>
-              <a:t>24.01.2020</a:t>
+              <a:t>15.02.2020</a:t>
             </a:fld>
             <a:endParaRPr lang="de-CH"/>
           </a:p>
@@ -2080,7 +2085,7 @@
           <a:p>
             <a:fld id="{16C53F69-849F-4D42-A5B5-04D5E4C84177}" type="datetimeFigureOut">
               <a:rPr lang="de-CH" smtClean="0"/>
-              <a:t>24.01.2020</a:t>
+              <a:t>15.02.2020</a:t>
             </a:fld>
             <a:endParaRPr lang="de-CH"/>
           </a:p>
@@ -2393,7 +2398,7 @@
           <a:p>
             <a:fld id="{16C53F69-849F-4D42-A5B5-04D5E4C84177}" type="datetimeFigureOut">
               <a:rPr lang="de-CH" smtClean="0"/>
-              <a:t>24.01.2020</a:t>
+              <a:t>15.02.2020</a:t>
             </a:fld>
             <a:endParaRPr lang="de-CH"/>
           </a:p>
@@ -2682,7 +2687,7 @@
           <a:p>
             <a:fld id="{16C53F69-849F-4D42-A5B5-04D5E4C84177}" type="datetimeFigureOut">
               <a:rPr lang="de-CH" smtClean="0"/>
-              <a:t>24.01.2020</a:t>
+              <a:t>15.02.2020</a:t>
             </a:fld>
             <a:endParaRPr lang="de-CH"/>
           </a:p>
@@ -2925,7 +2930,7 @@
           <a:p>
             <a:fld id="{16C53F69-849F-4D42-A5B5-04D5E4C84177}" type="datetimeFigureOut">
               <a:rPr lang="de-CH" smtClean="0"/>
-              <a:t>24.01.2020</a:t>
+              <a:t>15.02.2020</a:t>
             </a:fld>
             <a:endParaRPr lang="de-CH"/>
           </a:p>
@@ -3370,7 +3375,7 @@
         </p:blipFill>
         <p:spPr>
           <a:xfrm>
-            <a:off x="10944004" y="3628754"/>
+            <a:off x="5472002" y="7140757"/>
             <a:ext cx="4480000" cy="2520000"/>
           </a:xfrm>
           <a:prstGeom prst="rect">
@@ -3891,8 +3896,8 @@
           <p:nvPr/>
         </p:nvGrpSpPr>
         <p:grpSpPr>
-          <a:xfrm>
-            <a:off x="9952002" y="5130800"/>
+          <a:xfrm rot="5400000">
+            <a:off x="7216000" y="6534689"/>
             <a:ext cx="992002" cy="220133"/>
             <a:chOff x="4480000" y="5240867"/>
             <a:chExt cx="992002" cy="220133"/>
